--- a/presentation/FER Presentation.pptx
+++ b/presentation/FER Presentation.pptx
@@ -218,7 +218,7 @@
           <a:p>
             <a:fld id="{A7FFF3D5-063D-4CC1-8349-88AB7FEFD430}" type="datetimeFigureOut">
               <a:rPr lang="en-GB" smtClean="0"/>
-              <a:t>17/08/2025</a:t>
+              <a:t>19/08/2025</a:t>
             </a:fld>
             <a:endParaRPr lang="en-GB"/>
           </a:p>
@@ -635,7 +635,7 @@
           <a:p>
             <a:fld id="{68BD01A5-178E-42BA-8DE3-1E83FF417D73}" type="datetimeFigureOut">
               <a:rPr lang="en-GB" smtClean="0"/>
-              <a:t>17/08/2025</a:t>
+              <a:t>19/08/2025</a:t>
             </a:fld>
             <a:endParaRPr lang="en-GB"/>
           </a:p>
@@ -835,7 +835,7 @@
           <a:p>
             <a:fld id="{68BD01A5-178E-42BA-8DE3-1E83FF417D73}" type="datetimeFigureOut">
               <a:rPr lang="en-GB" smtClean="0"/>
-              <a:t>17/08/2025</a:t>
+              <a:t>19/08/2025</a:t>
             </a:fld>
             <a:endParaRPr lang="en-GB"/>
           </a:p>
@@ -1045,7 +1045,7 @@
           <a:p>
             <a:fld id="{68BD01A5-178E-42BA-8DE3-1E83FF417D73}" type="datetimeFigureOut">
               <a:rPr lang="en-GB" smtClean="0"/>
-              <a:t>17/08/2025</a:t>
+              <a:t>19/08/2025</a:t>
             </a:fld>
             <a:endParaRPr lang="en-GB"/>
           </a:p>
@@ -1245,7 +1245,7 @@
           <a:p>
             <a:fld id="{68BD01A5-178E-42BA-8DE3-1E83FF417D73}" type="datetimeFigureOut">
               <a:rPr lang="en-GB" smtClean="0"/>
-              <a:t>17/08/2025</a:t>
+              <a:t>19/08/2025</a:t>
             </a:fld>
             <a:endParaRPr lang="en-GB"/>
           </a:p>
@@ -1521,7 +1521,7 @@
           <a:p>
             <a:fld id="{68BD01A5-178E-42BA-8DE3-1E83FF417D73}" type="datetimeFigureOut">
               <a:rPr lang="en-GB" smtClean="0"/>
-              <a:t>17/08/2025</a:t>
+              <a:t>19/08/2025</a:t>
             </a:fld>
             <a:endParaRPr lang="en-GB"/>
           </a:p>
@@ -1789,7 +1789,7 @@
           <a:p>
             <a:fld id="{68BD01A5-178E-42BA-8DE3-1E83FF417D73}" type="datetimeFigureOut">
               <a:rPr lang="en-GB" smtClean="0"/>
-              <a:t>17/08/2025</a:t>
+              <a:t>19/08/2025</a:t>
             </a:fld>
             <a:endParaRPr lang="en-GB"/>
           </a:p>
@@ -2204,7 +2204,7 @@
           <a:p>
             <a:fld id="{68BD01A5-178E-42BA-8DE3-1E83FF417D73}" type="datetimeFigureOut">
               <a:rPr lang="en-GB" smtClean="0"/>
-              <a:t>17/08/2025</a:t>
+              <a:t>19/08/2025</a:t>
             </a:fld>
             <a:endParaRPr lang="en-GB"/>
           </a:p>
@@ -2346,7 +2346,7 @@
           <a:p>
             <a:fld id="{68BD01A5-178E-42BA-8DE3-1E83FF417D73}" type="datetimeFigureOut">
               <a:rPr lang="en-GB" smtClean="0"/>
-              <a:t>17/08/2025</a:t>
+              <a:t>19/08/2025</a:t>
             </a:fld>
             <a:endParaRPr lang="en-GB"/>
           </a:p>
@@ -2459,7 +2459,7 @@
           <a:p>
             <a:fld id="{68BD01A5-178E-42BA-8DE3-1E83FF417D73}" type="datetimeFigureOut">
               <a:rPr lang="en-GB" smtClean="0"/>
-              <a:t>17/08/2025</a:t>
+              <a:t>19/08/2025</a:t>
             </a:fld>
             <a:endParaRPr lang="en-GB"/>
           </a:p>
@@ -2772,7 +2772,7 @@
           <a:p>
             <a:fld id="{68BD01A5-178E-42BA-8DE3-1E83FF417D73}" type="datetimeFigureOut">
               <a:rPr lang="en-GB" smtClean="0"/>
-              <a:t>17/08/2025</a:t>
+              <a:t>19/08/2025</a:t>
             </a:fld>
             <a:endParaRPr lang="en-GB"/>
           </a:p>
@@ -3061,7 +3061,7 @@
           <a:p>
             <a:fld id="{68BD01A5-178E-42BA-8DE3-1E83FF417D73}" type="datetimeFigureOut">
               <a:rPr lang="en-GB" smtClean="0"/>
-              <a:t>17/08/2025</a:t>
+              <a:t>19/08/2025</a:t>
             </a:fld>
             <a:endParaRPr lang="en-GB"/>
           </a:p>
@@ -3304,7 +3304,7 @@
           <a:p>
             <a:fld id="{68BD01A5-178E-42BA-8DE3-1E83FF417D73}" type="datetimeFigureOut">
               <a:rPr lang="en-GB" smtClean="0"/>
-              <a:t>17/08/2025</a:t>
+              <a:t>19/08/2025</a:t>
             </a:fld>
             <a:endParaRPr lang="en-GB"/>
           </a:p>
@@ -3975,7 +3975,22 @@
                 <a:latin typeface="Arial" panose="020B0604020202020204" pitchFamily="34" charset="0"/>
                 <a:ea typeface="Times New Roman" panose="02020603050405020304" pitchFamily="18" charset="0"/>
               </a:rPr>
-              <a:t>. This suggests that while K-Means found moderately distinct clusters, they don't strongly correspond to the real-world categories of your data</a:t>
+              <a:t>. This suggests that while K-Means found moderately distinct clusters, they don't strongly correspond to the real-world categories of the</a:t>
+            </a:r>
+            <a:r>
+              <a:rPr lang="en-GB" sz="2000" kern="0" dirty="0">
+                <a:latin typeface="Arial" panose="020B0604020202020204" pitchFamily="34" charset="0"/>
+                <a:ea typeface="Times New Roman" panose="02020603050405020304" pitchFamily="18" charset="0"/>
+              </a:rPr>
+              <a:t> </a:t>
+            </a:r>
+            <a:r>
+              <a:rPr lang="en-GB" sz="2000" kern="0" dirty="0">
+                <a:effectLst/>
+                <a:latin typeface="Arial" panose="020B0604020202020204" pitchFamily="34" charset="0"/>
+                <a:ea typeface="Times New Roman" panose="02020603050405020304" pitchFamily="18" charset="0"/>
+              </a:rPr>
+              <a:t>data</a:t>
             </a:r>
             <a:endParaRPr lang="en-GB" sz="2000" dirty="0">
               <a:effectLst/>
@@ -6439,7 +6454,7 @@
                 <a:latin typeface="Arial" panose="020B0604020202020204" pitchFamily="34" charset="0"/>
                 <a:ea typeface="Times New Roman" panose="02020603050405020304" pitchFamily="18" charset="0"/>
               </a:rPr>
-              <a:t>This suggests that while PCA subtly violated the conditional independence assumption</a:t>
+              <a:t>This suggests that PCA subtly violated the conditional independence assumption</a:t>
             </a:r>
             <a:r>
               <a:rPr lang="en-GB" sz="1800" dirty="0">
